--- a/folien/week3.pptx
+++ b/folien/week3.pptx
@@ -5,14 +5,19 @@
     <p:sldMasterId id="2147483664" r:id="rId1"/>
   </p:sldMasterIdLst>
   <p:notesMasterIdLst>
-    <p:notesMasterId r:id="rId7"/>
+    <p:notesMasterId r:id="rId12"/>
   </p:notesMasterIdLst>
   <p:sldIdLst>
     <p:sldId id="257" r:id="rId2"/>
-    <p:sldId id="287" r:id="rId3"/>
-    <p:sldId id="293" r:id="rId4"/>
-    <p:sldId id="291" r:id="rId5"/>
-    <p:sldId id="270" r:id="rId6"/>
+    <p:sldId id="294" r:id="rId3"/>
+    <p:sldId id="296" r:id="rId4"/>
+    <p:sldId id="297" r:id="rId5"/>
+    <p:sldId id="298" r:id="rId6"/>
+    <p:sldId id="299" r:id="rId7"/>
+    <p:sldId id="295" r:id="rId8"/>
+    <p:sldId id="300" r:id="rId9"/>
+    <p:sldId id="293" r:id="rId10"/>
+    <p:sldId id="270" r:id="rId11"/>
   </p:sldIdLst>
   <p:sldSz cx="9144000" cy="5143500" type="screen16x9"/>
   <p:notesSz cx="6858000" cy="9144000"/>
@@ -117,9 +122,14 @@
         <p14:section name="Default Section" id="{14B77305-5555-4F75-A98A-E4A4AFE81357}">
           <p14:sldIdLst>
             <p14:sldId id="257"/>
-            <p14:sldId id="287"/>
+            <p14:sldId id="294"/>
+            <p14:sldId id="296"/>
+            <p14:sldId id="297"/>
+            <p14:sldId id="298"/>
+            <p14:sldId id="299"/>
+            <p14:sldId id="295"/>
+            <p14:sldId id="300"/>
             <p14:sldId id="293"/>
-            <p14:sldId id="291"/>
             <p14:sldId id="270"/>
           </p14:sldIdLst>
         </p14:section>
@@ -225,7 +235,7 @@
           <a:p>
             <a:fld id="{21C000D9-2858-4F4C-AF5C-64F79A7C2410}" type="datetimeFigureOut">
               <a:rPr lang="en-US" smtClean="0"/>
-              <a:t>10/20/2021</a:t>
+              <a:t>4/18/2022</a:t>
             </a:fld>
             <a:endParaRPr lang="en-US"/>
           </a:p>
@@ -383,7 +393,7 @@
           <a:p>
             <a:fld id="{C347FAF7-5C4E-4642-B377-C3A2CDCC9DA1}" type="slidenum">
               <a:rPr lang="en-US" smtClean="0"/>
-              <a:t>‹Nr.›</a:t>
+              <a:t>‹#›</a:t>
             </a:fld>
             <a:endParaRPr lang="en-US"/>
           </a:p>
@@ -537,12 +547,24 @@
           <a:lstStyle/>
           <a:p>
             <a:r>
-              <a:rPr lang="de-DE" dirty="0"/>
-              <a:t>Bildung </a:t>
-            </a:r>
-            <a:r>
               <a:rPr lang="de-DE" dirty="0" err="1"/>
-              <a:t>ermoeglichen</a:t>
+              <a:t>Exam</a:t>
+            </a:r>
+            <a:r>
+              <a:rPr lang="de-DE" dirty="0"/>
+              <a:t> </a:t>
+            </a:r>
+            <a:r>
+              <a:rPr lang="de-DE" dirty="0" err="1"/>
+              <a:t>week</a:t>
+            </a:r>
+            <a:r>
+              <a:rPr lang="de-DE" dirty="0"/>
+              <a:t> versus </a:t>
+            </a:r>
+            <a:r>
+              <a:rPr lang="de-DE" dirty="0" err="1"/>
+              <a:t>verbreding</a:t>
             </a:r>
             <a:endParaRPr lang="de-DE" dirty="0"/>
           </a:p>
@@ -568,7 +590,7 @@
           <a:p>
             <a:fld id="{C347FAF7-5C4E-4642-B377-C3A2CDCC9DA1}" type="slidenum">
               <a:rPr lang="en-US" smtClean="0"/>
-              <a:t>2</a:t>
+              <a:t>9</a:t>
             </a:fld>
             <a:endParaRPr lang="en-US"/>
           </a:p>
@@ -577,7 +599,7 @@
     </p:spTree>
     <p:extLst>
       <p:ext uri="{BB962C8B-B14F-4D97-AF65-F5344CB8AC3E}">
-        <p14:creationId xmlns:p14="http://schemas.microsoft.com/office/powerpoint/2010/main" val="1585885546"/>
+        <p14:creationId xmlns:p14="http://schemas.microsoft.com/office/powerpoint/2010/main" val="834336005"/>
       </p:ext>
     </p:extLst>
   </p:cSld>
@@ -652,7 +674,7 @@
           <a:p>
             <a:fld id="{C347FAF7-5C4E-4642-B377-C3A2CDCC9DA1}" type="slidenum">
               <a:rPr lang="en-US" smtClean="0"/>
-              <a:t>5</a:t>
+              <a:t>10</a:t>
             </a:fld>
             <a:endParaRPr lang="en-US"/>
           </a:p>
@@ -923,7 +945,7 @@
             <a:fld id="{63CECEBB-547B-4598-95D8-3FB4D608B5D5}" type="slidenum">
               <a:rPr lang="de-DE" smtClean="0"/>
               <a:pPr/>
-              <a:t>‹Nr.›</a:t>
+              <a:t>‹#›</a:t>
             </a:fld>
             <a:endParaRPr lang="de-DE" dirty="0"/>
           </a:p>
@@ -1191,7 +1213,7 @@
             <a:fld id="{63CECEBB-547B-4598-95D8-3FB4D608B5D5}" type="slidenum">
               <a:rPr lang="de-DE" smtClean="0"/>
               <a:pPr/>
-              <a:t>‹Nr.›</a:t>
+              <a:t>‹#›</a:t>
             </a:fld>
             <a:endParaRPr lang="de-DE" dirty="0"/>
           </a:p>
@@ -1449,7 +1471,7 @@
             <a:fld id="{63CECEBB-547B-4598-95D8-3FB4D608B5D5}" type="slidenum">
               <a:rPr lang="de-DE" smtClean="0"/>
               <a:pPr/>
-              <a:t>‹Nr.›</a:t>
+              <a:t>‹#›</a:t>
             </a:fld>
             <a:endParaRPr lang="de-DE" dirty="0"/>
           </a:p>
@@ -1708,7 +1730,7 @@
             <a:fld id="{63CECEBB-547B-4598-95D8-3FB4D608B5D5}" type="slidenum">
               <a:rPr lang="de-DE" smtClean="0"/>
               <a:pPr/>
-              <a:t>‹Nr.›</a:t>
+              <a:t>‹#›</a:t>
             </a:fld>
             <a:endParaRPr lang="de-DE" dirty="0"/>
           </a:p>
@@ -1964,7 +1986,7 @@
             <a:fld id="{63CECEBB-547B-4598-95D8-3FB4D608B5D5}" type="slidenum">
               <a:rPr lang="de-DE" smtClean="0"/>
               <a:pPr/>
-              <a:t>‹Nr.›</a:t>
+              <a:t>‹#›</a:t>
             </a:fld>
             <a:endParaRPr lang="de-DE" dirty="0"/>
           </a:p>
@@ -2146,7 +2168,7 @@
             <a:fld id="{63CECEBB-547B-4598-95D8-3FB4D608B5D5}" type="slidenum">
               <a:rPr lang="de-DE" smtClean="0"/>
               <a:pPr/>
-              <a:t>‹Nr.›</a:t>
+              <a:t>‹#›</a:t>
             </a:fld>
             <a:endParaRPr lang="de-DE" dirty="0"/>
           </a:p>
@@ -3339,6 +3361,200 @@
 </p:sld>
 </file>
 
+<file path=ppt/slides/slide10.xml><?xml version="1.0" encoding="utf-8"?>
+<p:sld xmlns:a="http://schemas.openxmlformats.org/drawingml/2006/main" xmlns:r="http://schemas.openxmlformats.org/officeDocument/2006/relationships" xmlns:p="http://schemas.openxmlformats.org/presentationml/2006/main">
+  <p:cSld>
+    <p:spTree>
+      <p:nvGrpSpPr>
+        <p:cNvPr id="1" name=""/>
+        <p:cNvGrpSpPr/>
+        <p:nvPr/>
+      </p:nvGrpSpPr>
+      <p:grpSpPr>
+        <a:xfrm>
+          <a:off x="0" y="0"/>
+          <a:ext cx="0" cy="0"/>
+          <a:chOff x="0" y="0"/>
+          <a:chExt cx="0" cy="0"/>
+        </a:xfrm>
+      </p:grpSpPr>
+      <p:sp>
+        <p:nvSpPr>
+          <p:cNvPr id="2" name="Title 1">
+            <a:extLst>
+              <a:ext uri="{FF2B5EF4-FFF2-40B4-BE49-F238E27FC236}">
+                <a16:creationId xmlns:a16="http://schemas.microsoft.com/office/drawing/2014/main" id="{0DC37077-DE75-4E1A-9675-9E8C39ED87C0}"/>
+              </a:ext>
+            </a:extLst>
+          </p:cNvPr>
+          <p:cNvSpPr>
+            <a:spLocks noGrp="1"/>
+          </p:cNvSpPr>
+          <p:nvPr>
+            <p:ph type="title"/>
+          </p:nvPr>
+        </p:nvSpPr>
+        <p:spPr/>
+        <p:txBody>
+          <a:bodyPr/>
+          <a:lstStyle/>
+          <a:p>
+            <a:r>
+              <a:rPr lang="de-DE" sz="1800" dirty="0"/>
+              <a:t>Nächste</a:t>
+            </a:r>
+            <a:r>
+              <a:rPr lang="en-US" sz="1800" dirty="0"/>
+              <a:t> </a:t>
+            </a:r>
+            <a:r>
+              <a:rPr lang="en-US" sz="1800" dirty="0" err="1"/>
+              <a:t>Woche</a:t>
+            </a:r>
+            <a:r>
+              <a:rPr lang="en-US" sz="1800" dirty="0"/>
+              <a:t>: </a:t>
+            </a:r>
+            <a:r>
+              <a:rPr lang="en-US" sz="1800" dirty="0" err="1"/>
+              <a:t>Doerpinghaus</a:t>
+            </a:r>
+            <a:r>
+              <a:rPr lang="en-US" sz="1800" dirty="0"/>
+              <a:t>, Teil 2</a:t>
+            </a:r>
+            <a:br>
+              <a:rPr lang="de-DE" sz="1800" dirty="0"/>
+            </a:br>
+            <a:endParaRPr lang="en-US" sz="1800" dirty="0"/>
+          </a:p>
+        </p:txBody>
+      </p:sp>
+      <p:sp>
+        <p:nvSpPr>
+          <p:cNvPr id="3" name="Text Placeholder 2">
+            <a:extLst>
+              <a:ext uri="{FF2B5EF4-FFF2-40B4-BE49-F238E27FC236}">
+                <a16:creationId xmlns:a16="http://schemas.microsoft.com/office/drawing/2014/main" id="{9A8B9131-451A-4C09-ABBC-166016A890C0}"/>
+              </a:ext>
+            </a:extLst>
+          </p:cNvPr>
+          <p:cNvSpPr>
+            <a:spLocks noGrp="1"/>
+          </p:cNvSpPr>
+          <p:nvPr>
+            <p:ph type="body" sz="quarter" idx="10"/>
+          </p:nvPr>
+        </p:nvSpPr>
+        <p:spPr/>
+        <p:txBody>
+          <a:bodyPr/>
+          <a:lstStyle/>
+          <a:p>
+            <a:r>
+              <a:rPr lang="de-DE" sz="1400" dirty="0"/>
+              <a:t>Aufgabe (Nachbereitung)</a:t>
+            </a:r>
+          </a:p>
+          <a:p>
+            <a:pPr lvl="1"/>
+            <a:r>
+              <a:rPr lang="de-DE" sz="1400" dirty="0"/>
+              <a:t>Schreibe 2 kurze Stichpunktelisten / Abschnitte  (Max 1 A4) und schreiben sie es im Forum bei </a:t>
+            </a:r>
+            <a:r>
+              <a:rPr lang="de-DE" sz="1400" dirty="0" err="1"/>
+              <a:t>Moodle</a:t>
+            </a:r>
+            <a:endParaRPr lang="de-DE" sz="1400" dirty="0"/>
+          </a:p>
+          <a:p>
+            <a:pPr lvl="2"/>
+            <a:r>
+              <a:rPr lang="de-DE" sz="1000" dirty="0"/>
+              <a:t>Wie müsste eine Uni beschaffen sein, in der man frei wird? </a:t>
+            </a:r>
+          </a:p>
+          <a:p>
+            <a:pPr lvl="2"/>
+            <a:r>
+              <a:rPr lang="de-DE" sz="1000" dirty="0"/>
+              <a:t>Welche Bedingungen wären dazu notwendig? </a:t>
+            </a:r>
+          </a:p>
+          <a:p>
+            <a:pPr lvl="1"/>
+            <a:r>
+              <a:rPr lang="de-DE" sz="1400" dirty="0"/>
+              <a:t>Zweite Eintrag im Portfolio (</a:t>
+            </a:r>
+            <a:r>
+              <a:rPr lang="de-DE" sz="1400" dirty="0" err="1"/>
+              <a:t>Dörpinghaus</a:t>
+            </a:r>
+            <a:r>
+              <a:rPr lang="de-DE" sz="1400" dirty="0"/>
+              <a:t>, Teil 1)</a:t>
+            </a:r>
+          </a:p>
+          <a:p>
+            <a:endParaRPr lang="de-DE" sz="1400" dirty="0"/>
+          </a:p>
+          <a:p>
+            <a:r>
+              <a:rPr lang="de-DE" sz="1400" dirty="0"/>
+              <a:t>Vorbereitendes Material (für nächste Woche): </a:t>
+            </a:r>
+          </a:p>
+          <a:p>
+            <a:pPr lvl="1"/>
+            <a:r>
+              <a:rPr lang="de-DE" sz="1400" dirty="0" err="1"/>
+              <a:t>Dörpinghaus</a:t>
+            </a:r>
+            <a:r>
+              <a:rPr lang="de-DE" sz="1400" dirty="0"/>
+              <a:t>, Teil 2</a:t>
+            </a:r>
+          </a:p>
+          <a:p>
+            <a:pPr lvl="1"/>
+            <a:r>
+              <a:rPr lang="de-DE" sz="1400" dirty="0" err="1"/>
+              <a:t>Platon’s</a:t>
+            </a:r>
+            <a:r>
+              <a:rPr lang="de-DE" sz="1400" dirty="0"/>
+              <a:t> </a:t>
+            </a:r>
+            <a:r>
+              <a:rPr lang="de-DE" sz="1400" dirty="0" err="1"/>
+              <a:t>Hoehle</a:t>
+            </a:r>
+            <a:endParaRPr lang="de-DE" sz="1400" dirty="0"/>
+          </a:p>
+          <a:p>
+            <a:pPr lvl="1"/>
+            <a:r>
+              <a:rPr lang="de-DE" sz="1400" dirty="0"/>
+              <a:t>Interpretationshinweise </a:t>
+            </a:r>
+          </a:p>
+        </p:txBody>
+      </p:sp>
+    </p:spTree>
+    <p:extLst>
+      <p:ext uri="{BB962C8B-B14F-4D97-AF65-F5344CB8AC3E}">
+        <p14:creationId xmlns:p14="http://schemas.microsoft.com/office/powerpoint/2010/main" val="2015919101"/>
+      </p:ext>
+    </p:extLst>
+  </p:cSld>
+  <p:clrMapOvr>
+    <a:masterClrMapping/>
+  </p:clrMapOvr>
+</p:sld>
+</file>
+
 <file path=ppt/slides/slide2.xml><?xml version="1.0" encoding="utf-8"?>
 <p:sld xmlns:a="http://schemas.openxmlformats.org/drawingml/2006/main" xmlns:r="http://schemas.openxmlformats.org/officeDocument/2006/relationships" xmlns:p="http://schemas.openxmlformats.org/presentationml/2006/main">
   <p:cSld>
@@ -3358,10 +3574,10 @@
       </p:grpSpPr>
       <p:sp>
         <p:nvSpPr>
-          <p:cNvPr id="2" name="Title 1">
+          <p:cNvPr id="4" name="Title 3">
             <a:extLst>
               <a:ext uri="{FF2B5EF4-FFF2-40B4-BE49-F238E27FC236}">
-                <a16:creationId xmlns:a16="http://schemas.microsoft.com/office/drawing/2014/main" id="{2C0D9D7C-C11E-48F3-9F14-CA33C785E3F8}"/>
+                <a16:creationId xmlns:a16="http://schemas.microsoft.com/office/drawing/2014/main" id="{E4EE77C6-7330-4031-B6DD-B4898BD262A5}"/>
               </a:ext>
             </a:extLst>
           </p:cNvPr>
@@ -3379,17 +3595,17 @@
           <a:p>
             <a:r>
               <a:rPr lang="de-DE" dirty="0"/>
-              <a:t>Was kann man unter Bildung verstehen?</a:t>
-            </a:r>
-          </a:p>
-        </p:txBody>
-      </p:sp>
-      <p:sp>
-        <p:nvSpPr>
-          <p:cNvPr id="3" name="Text Placeholder 2">
+              <a:t>Bildung ist: </a:t>
+            </a:r>
+          </a:p>
+        </p:txBody>
+      </p:sp>
+      <p:sp>
+        <p:nvSpPr>
+          <p:cNvPr id="6" name="Content Placeholder 5">
             <a:extLst>
               <a:ext uri="{FF2B5EF4-FFF2-40B4-BE49-F238E27FC236}">
-                <a16:creationId xmlns:a16="http://schemas.microsoft.com/office/drawing/2014/main" id="{E84F48F4-7C69-4A30-A062-E7F7AC5B3CD2}"/>
+                <a16:creationId xmlns:a16="http://schemas.microsoft.com/office/drawing/2014/main" id="{F3BCA267-2115-41B9-9079-6B97C66FF198}"/>
               </a:ext>
             </a:extLst>
           </p:cNvPr>
@@ -3397,7 +3613,7 @@
             <a:spLocks noGrp="1"/>
           </p:cNvSpPr>
           <p:nvPr>
-            <p:ph type="body" sz="quarter" idx="10"/>
+            <p:ph sz="half" idx="12"/>
           </p:nvPr>
         </p:nvSpPr>
         <p:spPr/>
@@ -3405,90 +3621,116 @@
           <a:bodyPr/>
           <a:lstStyle/>
           <a:p>
-            <a:r>
-              <a:rPr lang="de-DE" sz="1600" dirty="0"/>
-              <a:t>Wichtig, weil?</a:t>
-            </a:r>
-          </a:p>
-          <a:p>
-            <a:r>
-              <a:rPr lang="de-DE" sz="1600" dirty="0"/>
-              <a:t>Zeitgemäßen Bildung</a:t>
-            </a:r>
-          </a:p>
-          <a:p>
-            <a:r>
-              <a:rPr lang="de-DE" sz="1600" dirty="0"/>
-              <a:t>Mensch als Mittel</a:t>
-            </a:r>
-          </a:p>
-          <a:p>
-            <a:r>
-              <a:rPr lang="de-DE" sz="1600" dirty="0"/>
-              <a:t>Universitäten produzieren Verdummung, </a:t>
-            </a:r>
-            <a:r>
-              <a:rPr lang="de-DE" sz="1600" dirty="0" err="1"/>
-              <a:t>Unterfoerderung</a:t>
-            </a:r>
-            <a:endParaRPr lang="de-DE" sz="1600" dirty="0"/>
-          </a:p>
-          <a:p>
-            <a:r>
-              <a:rPr lang="de-DE" sz="1600" dirty="0"/>
-              <a:t>Horkheimer </a:t>
-            </a:r>
-          </a:p>
-          <a:p>
-            <a:r>
-              <a:rPr lang="de-DE" sz="1600" dirty="0"/>
-              <a:t>Humboldt</a:t>
-            </a:r>
-          </a:p>
-          <a:p>
-            <a:r>
-              <a:rPr lang="de-DE" sz="1600" dirty="0"/>
-              <a:t>Bedingungen Kräfte entfalten zu können</a:t>
-            </a:r>
-          </a:p>
-          <a:p>
-            <a:r>
-              <a:rPr lang="de-DE" sz="1600" dirty="0"/>
-              <a:t>fragendes Denken</a:t>
-            </a:r>
-          </a:p>
-          <a:p>
-            <a:r>
-              <a:rPr lang="de-DE" sz="1600" dirty="0"/>
-              <a:t>Selbstregierung</a:t>
-            </a:r>
-          </a:p>
-          <a:p>
-            <a:r>
-              <a:rPr lang="de-DE" sz="1600" dirty="0"/>
-              <a:t>Bildungsschmerz</a:t>
-            </a:r>
-          </a:p>
-          <a:p>
-            <a:r>
-              <a:rPr lang="de-DE" sz="1600" dirty="0"/>
-              <a:t>Fragen an </a:t>
-            </a:r>
-            <a:r>
-              <a:rPr lang="de-DE" sz="1600" dirty="0" err="1"/>
-              <a:t>Dörpinghaus</a:t>
-            </a:r>
-            <a:r>
-              <a:rPr lang="de-DE" sz="1600" dirty="0"/>
-              <a:t>?</a:t>
-            </a:r>
+            <a:pPr marL="0" indent="0">
+              <a:buNone/>
+            </a:pPr>
+            <a:r>
+              <a:rPr lang="de-DE" dirty="0"/>
+              <a:t>Teil 1</a:t>
+            </a:r>
+          </a:p>
+          <a:p>
+            <a:r>
+              <a:rPr lang="de-DE" dirty="0"/>
+              <a:t>0 </a:t>
+            </a:r>
+            <a:r>
+              <a:rPr lang="de-DE" dirty="0" err="1"/>
+              <a:t>Einfuhrung</a:t>
+            </a:r>
+            <a:endParaRPr lang="de-DE" dirty="0"/>
+          </a:p>
+          <a:p>
+            <a:r>
+              <a:rPr lang="de-DE" dirty="0"/>
+              <a:t>1 nicht Ausbildung</a:t>
+            </a:r>
+          </a:p>
+          <a:p>
+            <a:r>
+              <a:rPr lang="de-DE" dirty="0"/>
+              <a:t>2 Selbstgestaltung</a:t>
+            </a:r>
+          </a:p>
+          <a:p>
+            <a:r>
+              <a:rPr lang="de-DE" dirty="0"/>
+              <a:t>3 Erkenntnis suchen</a:t>
+            </a:r>
+          </a:p>
+        </p:txBody>
+      </p:sp>
+      <p:sp>
+        <p:nvSpPr>
+          <p:cNvPr id="5" name="Content Placeholder 4">
+            <a:extLst>
+              <a:ext uri="{FF2B5EF4-FFF2-40B4-BE49-F238E27FC236}">
+                <a16:creationId xmlns:a16="http://schemas.microsoft.com/office/drawing/2014/main" id="{70DFA1E6-D2D1-4E1D-BBB7-5824D575E329}"/>
+              </a:ext>
+            </a:extLst>
+          </p:cNvPr>
+          <p:cNvSpPr>
+            <a:spLocks noGrp="1"/>
+          </p:cNvSpPr>
+          <p:nvPr>
+            <p:ph sz="half" idx="11"/>
+          </p:nvPr>
+        </p:nvSpPr>
+        <p:spPr/>
+        <p:txBody>
+          <a:bodyPr/>
+          <a:lstStyle/>
+          <a:p>
+            <a:pPr marL="0" indent="0">
+              <a:buNone/>
+            </a:pPr>
+            <a:r>
+              <a:rPr lang="de-DE" dirty="0"/>
+              <a:t>Teil 2</a:t>
+            </a:r>
+          </a:p>
+          <a:p>
+            <a:r>
+              <a:rPr lang="de-DE" dirty="0"/>
+              <a:t>4 </a:t>
+            </a:r>
+            <a:r>
+              <a:rPr lang="de-DE" dirty="0" err="1"/>
+              <a:t>Sichfremdwerden</a:t>
+            </a:r>
+            <a:endParaRPr lang="de-DE" dirty="0"/>
+          </a:p>
+          <a:p>
+            <a:r>
+              <a:rPr lang="de-DE" dirty="0"/>
+              <a:t>5 </a:t>
+            </a:r>
+            <a:r>
+              <a:rPr lang="de-DE" dirty="0" err="1"/>
+              <a:t>Wartenkoennen</a:t>
+            </a:r>
+            <a:endParaRPr lang="de-DE" dirty="0"/>
+          </a:p>
+          <a:p>
+            <a:r>
+              <a:rPr lang="de-DE" dirty="0"/>
+              <a:t>6 Kulturelles </a:t>
+            </a:r>
+            <a:r>
+              <a:rPr lang="de-DE" dirty="0" err="1"/>
+              <a:t>Gedaechtnis</a:t>
+            </a:r>
+            <a:endParaRPr lang="de-DE" dirty="0"/>
+          </a:p>
+          <a:p>
+            <a:endParaRPr lang="de-DE" dirty="0"/>
           </a:p>
         </p:txBody>
       </p:sp>
     </p:spTree>
     <p:extLst>
       <p:ext uri="{BB962C8B-B14F-4D97-AF65-F5344CB8AC3E}">
-        <p14:creationId xmlns:p14="http://schemas.microsoft.com/office/powerpoint/2010/main" val="3769056112"/>
+        <p14:creationId xmlns:p14="http://schemas.microsoft.com/office/powerpoint/2010/main" val="362688465"/>
       </p:ext>
     </p:extLst>
   </p:cSld>
@@ -3517,7 +3759,13 @@
       </p:grpSpPr>
       <p:sp>
         <p:nvSpPr>
-          <p:cNvPr id="2" name="Titel 1"/>
+          <p:cNvPr id="2" name="Title 1">
+            <a:extLst>
+              <a:ext uri="{FF2B5EF4-FFF2-40B4-BE49-F238E27FC236}">
+                <a16:creationId xmlns:a16="http://schemas.microsoft.com/office/drawing/2014/main" id="{450E4F84-328B-4790-86C9-FB3F2F600E04}"/>
+              </a:ext>
+            </a:extLst>
+          </p:cNvPr>
           <p:cNvSpPr>
             <a:spLocks noGrp="1"/>
           </p:cNvSpPr>
@@ -3530,13 +3778,23 @@
           <a:bodyPr/>
           <a:lstStyle/>
           <a:p>
-            <a:endParaRPr lang="en-US"/>
-          </a:p>
-        </p:txBody>
-      </p:sp>
-      <p:sp>
-        <p:nvSpPr>
-          <p:cNvPr id="3" name="Textplatzhalter 2"/>
+            <a:r>
+              <a:rPr lang="de-DE" dirty="0" err="1"/>
+              <a:t>Einfuehrung</a:t>
+            </a:r>
+            <a:endParaRPr lang="de-DE" dirty="0"/>
+          </a:p>
+        </p:txBody>
+      </p:sp>
+      <p:sp>
+        <p:nvSpPr>
+          <p:cNvPr id="5" name="Text Placeholder 4">
+            <a:extLst>
+              <a:ext uri="{FF2B5EF4-FFF2-40B4-BE49-F238E27FC236}">
+                <a16:creationId xmlns:a16="http://schemas.microsoft.com/office/drawing/2014/main" id="{C2AA240A-D6A6-41C8-9F00-3BCBCAC8EEE5}"/>
+              </a:ext>
+            </a:extLst>
+          </p:cNvPr>
           <p:cNvSpPr>
             <a:spLocks noGrp="1"/>
           </p:cNvSpPr>
@@ -3549,77 +3807,38 @@
           <a:bodyPr/>
           <a:lstStyle/>
           <a:p>
-            <a:endParaRPr lang="en-US" dirty="0"/>
-          </a:p>
-        </p:txBody>
-      </p:sp>
-      <p:grpSp>
-        <p:nvGrpSpPr>
-          <p:cNvPr id="6" name="Gruppieren 5"/>
-          <p:cNvGrpSpPr/>
-          <p:nvPr/>
-        </p:nvGrpSpPr>
-        <p:grpSpPr>
-          <a:xfrm>
-            <a:off x="2699792" y="410893"/>
-            <a:ext cx="4464496" cy="4825153"/>
-            <a:chOff x="2020070" y="571221"/>
-            <a:chExt cx="5144218" cy="5559786"/>
-          </a:xfrm>
-        </p:grpSpPr>
-        <p:pic>
-          <p:nvPicPr>
-            <p:cNvPr id="4" name="Grafik 3"/>
-            <p:cNvPicPr>
-              <a:picLocks noChangeAspect="1"/>
-            </p:cNvPicPr>
-            <p:nvPr/>
-          </p:nvPicPr>
-          <p:blipFill>
-            <a:blip r:embed="rId2"/>
-            <a:stretch>
-              <a:fillRect/>
-            </a:stretch>
-          </p:blipFill>
-          <p:spPr>
-            <a:xfrm>
-              <a:off x="2052286" y="571221"/>
-              <a:ext cx="5039428" cy="4001058"/>
-            </a:xfrm>
-            <a:prstGeom prst="rect">
-              <a:avLst/>
-            </a:prstGeom>
-          </p:spPr>
-        </p:pic>
-        <p:pic>
-          <p:nvPicPr>
-            <p:cNvPr id="5" name="Grafik 4"/>
-            <p:cNvPicPr>
-              <a:picLocks noChangeAspect="1"/>
-            </p:cNvPicPr>
-            <p:nvPr/>
-          </p:nvPicPr>
-          <p:blipFill>
-            <a:blip r:embed="rId3"/>
-            <a:stretch>
-              <a:fillRect/>
-            </a:stretch>
-          </p:blipFill>
-          <p:spPr>
-            <a:xfrm>
-              <a:off x="2020070" y="4397215"/>
-              <a:ext cx="5144218" cy="1733792"/>
-            </a:xfrm>
-            <a:prstGeom prst="rect">
-              <a:avLst/>
-            </a:prstGeom>
-          </p:spPr>
-        </p:pic>
-      </p:grpSp>
+            <a:r>
+              <a:rPr lang="de-DE" sz="2400" dirty="0"/>
+              <a:t>Zeitgemäßen Bildung, Mensch als Mittel, Verdummung</a:t>
+            </a:r>
+          </a:p>
+          <a:p>
+            <a:r>
+              <a:rPr lang="de-DE" sz="2400" dirty="0"/>
+              <a:t>politisch kritisch-widerständige Dimension, polizeilichen Kontrollinstrument, Unmündigkeit, Unnütze</a:t>
+            </a:r>
+          </a:p>
+          <a:p>
+            <a:r>
+              <a:rPr lang="de-DE" sz="2400" dirty="0"/>
+              <a:t>Habitus des Lebenslangen Lernens</a:t>
+            </a:r>
+          </a:p>
+          <a:p>
+            <a:r>
+              <a:rPr lang="de-DE" sz="2400" dirty="0"/>
+              <a:t>politisch-ethisch versus polizeilich</a:t>
+            </a:r>
+          </a:p>
+          <a:p>
+            <a:endParaRPr lang="de-DE" dirty="0"/>
+          </a:p>
+        </p:txBody>
+      </p:sp>
     </p:spTree>
     <p:extLst>
       <p:ext uri="{BB962C8B-B14F-4D97-AF65-F5344CB8AC3E}">
-        <p14:creationId xmlns:p14="http://schemas.microsoft.com/office/powerpoint/2010/main" val="18663647"/>
+        <p14:creationId xmlns:p14="http://schemas.microsoft.com/office/powerpoint/2010/main" val="1425549250"/>
       </p:ext>
     </p:extLst>
   </p:cSld>
@@ -3651,7 +3870,7 @@
           <p:cNvPr id="2" name="Title 1">
             <a:extLst>
               <a:ext uri="{FF2B5EF4-FFF2-40B4-BE49-F238E27FC236}">
-                <a16:creationId xmlns:a16="http://schemas.microsoft.com/office/drawing/2014/main" id="{34F49B09-791F-4756-ACCE-F94AD34B1755}"/>
+                <a16:creationId xmlns:a16="http://schemas.microsoft.com/office/drawing/2014/main" id="{369451F8-1F03-4091-AB5C-B573E2FDE0B4}"/>
               </a:ext>
             </a:extLst>
           </p:cNvPr>
@@ -3669,7 +3888,7 @@
           <a:p>
             <a:r>
               <a:rPr lang="de-DE" dirty="0"/>
-              <a:t>Aufgabe: Stichpunktliste mit **Antworten**</a:t>
+              <a:t>1 nicht Ausbildung</a:t>
             </a:r>
           </a:p>
         </p:txBody>
@@ -3679,7 +3898,7 @@
           <p:cNvPr id="3" name="Text Placeholder 2">
             <a:extLst>
               <a:ext uri="{FF2B5EF4-FFF2-40B4-BE49-F238E27FC236}">
-                <a16:creationId xmlns:a16="http://schemas.microsoft.com/office/drawing/2014/main" id="{0C6B0FCB-ADE8-4880-99AD-B8BEB0C39898}"/>
+                <a16:creationId xmlns:a16="http://schemas.microsoft.com/office/drawing/2014/main" id="{56A96482-C614-44CD-9C8A-3B72E4C70DC2}"/>
               </a:ext>
             </a:extLst>
           </p:cNvPr>
@@ -3697,13 +3916,35 @@
           <a:p>
             <a:r>
               <a:rPr lang="de-DE" dirty="0"/>
-              <a:t>Wie müsste eine Uni beschaffen sein, in der man frei wird? </a:t>
-            </a:r>
-          </a:p>
-          <a:p>
-            <a:r>
-              <a:rPr lang="de-DE" dirty="0"/>
-              <a:t>Welche Bedingungen wären dazu notwendig? </a:t>
+              <a:t>Rede Max Horkheimer</a:t>
+            </a:r>
+          </a:p>
+          <a:p>
+            <a:r>
+              <a:rPr lang="de-DE" dirty="0"/>
+              <a:t>Entfaltung der menschlichen Anlagen, eigenen Bestimmung</a:t>
+            </a:r>
+          </a:p>
+          <a:p>
+            <a:r>
+              <a:rPr lang="de-DE" dirty="0"/>
+              <a:t>Humboldt</a:t>
+            </a:r>
+          </a:p>
+          <a:p>
+            <a:r>
+              <a:rPr lang="de-DE" i="1" dirty="0"/>
+              <a:t>Sich </a:t>
+            </a:r>
+            <a:r>
+              <a:rPr lang="de-DE" dirty="0"/>
+              <a:t>bilden, „Das Existentielle“, fragendes Denken</a:t>
+            </a:r>
+          </a:p>
+          <a:p>
+            <a:r>
+              <a:rPr lang="de-DE" dirty="0"/>
+              <a:t>Unterordnung unter das ökonomische Gesetz versus Selbstzweck (Kant: unantastbare Würde)</a:t>
             </a:r>
           </a:p>
         </p:txBody>
@@ -3711,7 +3952,7 @@
     </p:spTree>
     <p:extLst>
       <p:ext uri="{BB962C8B-B14F-4D97-AF65-F5344CB8AC3E}">
-        <p14:creationId xmlns:p14="http://schemas.microsoft.com/office/powerpoint/2010/main" val="377731548"/>
+        <p14:creationId xmlns:p14="http://schemas.microsoft.com/office/powerpoint/2010/main" val="1272829406"/>
       </p:ext>
     </p:extLst>
   </p:cSld>
@@ -3743,7 +3984,7 @@
           <p:cNvPr id="2" name="Title 1">
             <a:extLst>
               <a:ext uri="{FF2B5EF4-FFF2-40B4-BE49-F238E27FC236}">
-                <a16:creationId xmlns:a16="http://schemas.microsoft.com/office/drawing/2014/main" id="{0DC37077-DE75-4E1A-9675-9E8C39ED87C0}"/>
+                <a16:creationId xmlns:a16="http://schemas.microsoft.com/office/drawing/2014/main" id="{C84553F9-B7F6-48D0-809D-D661F17EEE42}"/>
               </a:ext>
             </a:extLst>
           </p:cNvPr>
@@ -3760,37 +4001,9 @@
           <a:lstStyle/>
           <a:p>
             <a:r>
-              <a:rPr lang="de-DE" sz="1800" dirty="0"/>
-              <a:t>Nächste</a:t>
-            </a:r>
-            <a:r>
-              <a:rPr lang="en-US" sz="1800" dirty="0"/>
-              <a:t> </a:t>
-            </a:r>
-            <a:r>
-              <a:rPr lang="en-US" sz="1800" dirty="0" err="1"/>
-              <a:t>Woche</a:t>
-            </a:r>
-            <a:r>
-              <a:rPr lang="en-US" sz="1800" dirty="0"/>
-              <a:t>: </a:t>
-            </a:r>
-            <a:r>
-              <a:rPr lang="en-US" sz="1800" dirty="0" err="1"/>
-              <a:t>Doerpinghaus</a:t>
-            </a:r>
-            <a:r>
-              <a:rPr lang="en-US" sz="1800" dirty="0"/>
-              <a:t>, Teil 2</a:t>
-            </a:r>
-            <a:r>
-              <a:rPr lang="de-DE" sz="1800" dirty="0"/>
-              <a:t/>
-            </a:r>
-            <a:br>
-              <a:rPr lang="de-DE" sz="1800" dirty="0"/>
-            </a:br>
-            <a:endParaRPr lang="en-US" sz="1800" dirty="0"/>
+              <a:rPr lang="de-DE" dirty="0"/>
+              <a:t>2 Selbstgestaltung</a:t>
+            </a:r>
           </a:p>
         </p:txBody>
       </p:sp>
@@ -3799,7 +4012,7 @@
           <p:cNvPr id="3" name="Text Placeholder 2">
             <a:extLst>
               <a:ext uri="{FF2B5EF4-FFF2-40B4-BE49-F238E27FC236}">
-                <a16:creationId xmlns:a16="http://schemas.microsoft.com/office/drawing/2014/main" id="{9A8B9131-451A-4C09-ABBC-166016A890C0}"/>
+                <a16:creationId xmlns:a16="http://schemas.microsoft.com/office/drawing/2014/main" id="{ADF6C8E4-7B5B-4121-8B15-AA366858F831}"/>
               </a:ext>
             </a:extLst>
           </p:cNvPr>
@@ -3816,80 +4029,102 @@
           <a:lstStyle/>
           <a:p>
             <a:r>
-              <a:rPr lang="de-DE" sz="1400" dirty="0"/>
-              <a:t>Aufgabe (Nachbereitung)</a:t>
-            </a:r>
-          </a:p>
-          <a:p>
-            <a:pPr lvl="1"/>
-            <a:r>
-              <a:rPr lang="de-DE" sz="1400" dirty="0"/>
-              <a:t>Schreibe 2 kurze Stichpunktelisten / Abschnitte  (Max 1 A4) und </a:t>
-            </a:r>
-            <a:r>
-              <a:rPr lang="de-DE" sz="1400" dirty="0" smtClean="0"/>
-              <a:t>schreiben sie es im Forum bei </a:t>
-            </a:r>
-            <a:r>
-              <a:rPr lang="de-DE" sz="1400" dirty="0" err="1" smtClean="0"/>
-              <a:t>Moodle</a:t>
-            </a:r>
-            <a:endParaRPr lang="de-DE" sz="1400" dirty="0"/>
-          </a:p>
-          <a:p>
-            <a:pPr lvl="2"/>
-            <a:r>
-              <a:rPr lang="de-DE" sz="1000" dirty="0"/>
-              <a:t>Wie müsste eine Uni beschaffen sein, in der man frei wird? </a:t>
-            </a:r>
-          </a:p>
-          <a:p>
-            <a:pPr lvl="2"/>
-            <a:r>
-              <a:rPr lang="de-DE" sz="1000" dirty="0"/>
-              <a:t>Welche Bedingungen wären dazu notwendig? </a:t>
-            </a:r>
-          </a:p>
-          <a:p>
-            <a:pPr lvl="1"/>
-            <a:r>
-              <a:rPr lang="de-DE" sz="1400" dirty="0"/>
-              <a:t>Zweite Eintrag im Portfolio (</a:t>
-            </a:r>
-            <a:r>
-              <a:rPr lang="de-DE" sz="1400" dirty="0" err="1"/>
-              <a:t>Dörpinghaus</a:t>
-            </a:r>
-            <a:r>
-              <a:rPr lang="de-DE" sz="1400" dirty="0"/>
-              <a:t>, Teil 1)</a:t>
-            </a:r>
-          </a:p>
-          <a:p>
-            <a:endParaRPr lang="de-DE" sz="1400" dirty="0"/>
-          </a:p>
-          <a:p>
-            <a:r>
-              <a:rPr lang="de-DE" sz="1400" dirty="0"/>
-              <a:t>Vorbereitendes Material (für nächste Woche): </a:t>
-            </a:r>
-          </a:p>
-          <a:p>
-            <a:pPr lvl="1"/>
-            <a:r>
-              <a:rPr lang="de-DE" sz="1400" dirty="0" err="1"/>
-              <a:t>Dörpinghaus</a:t>
-            </a:r>
-            <a:r>
-              <a:rPr lang="de-DE" sz="1400" dirty="0"/>
-              <a:t>, Teil 2</a:t>
-            </a:r>
-          </a:p>
-          <a:p>
-            <a:pPr lvl="1"/>
-            <a:r>
-              <a:rPr lang="de-DE" sz="1400" dirty="0"/>
-              <a:t>Interpretationshinweise </a:t>
+              <a:rPr lang="de-DE" i="1" dirty="0" err="1"/>
+              <a:t>paideia</a:t>
+            </a:r>
+            <a:r>
+              <a:rPr lang="de-DE" dirty="0"/>
+              <a:t>, </a:t>
+            </a:r>
+            <a:r>
+              <a:rPr lang="de-DE" i="1" dirty="0" err="1"/>
+              <a:t>imago</a:t>
+            </a:r>
+            <a:r>
+              <a:rPr lang="de-DE" i="1" dirty="0"/>
+              <a:t>-</a:t>
+            </a:r>
+            <a:r>
+              <a:rPr lang="de-DE" i="1" dirty="0" err="1"/>
+              <a:t>dei</a:t>
+            </a:r>
+            <a:r>
+              <a:rPr lang="de-DE" dirty="0"/>
+              <a:t>-Lehre, kritischen Ethos</a:t>
+            </a:r>
+          </a:p>
+          <a:p>
+            <a:r>
+              <a:rPr lang="de-DE" dirty="0"/>
+              <a:t>Selbstsorge, nicht regiert werden</a:t>
+            </a:r>
+          </a:p>
+          <a:p>
+            <a:r>
+              <a:rPr lang="de-DE" dirty="0"/>
+              <a:t>Ausbildung nur ein Teil, Mündigkeit (Kant)</a:t>
+            </a:r>
+          </a:p>
+          <a:p>
+            <a:r>
+              <a:rPr lang="de-DE" dirty="0"/>
+              <a:t>guten Zusammenleben, Es gibt kein richtiges Leben im falschen (Adorno)</a:t>
+            </a:r>
+          </a:p>
+          <a:p>
+            <a:r>
+              <a:rPr lang="de-DE" dirty="0"/>
+              <a:t>bloßen Objekt der Sorge, Kontrolle</a:t>
+            </a:r>
+          </a:p>
+          <a:p>
+            <a:r>
+              <a:rPr lang="de-DE" dirty="0" err="1"/>
+              <a:t>epiméleia</a:t>
+            </a:r>
+            <a:r>
+              <a:rPr lang="de-DE" dirty="0"/>
+              <a:t> </a:t>
+            </a:r>
+            <a:r>
+              <a:rPr lang="de-DE" dirty="0" err="1"/>
+              <a:t>heautoû</a:t>
+            </a:r>
+            <a:r>
+              <a:rPr lang="de-DE" dirty="0"/>
+              <a:t> (</a:t>
+            </a:r>
+            <a:r>
+              <a:rPr lang="de-DE" dirty="0" err="1"/>
+              <a:t>Ancient</a:t>
+            </a:r>
+            <a:r>
+              <a:rPr lang="de-DE" dirty="0"/>
+              <a:t> </a:t>
+            </a:r>
+            <a:r>
+              <a:rPr lang="de-DE" dirty="0" err="1"/>
+              <a:t>Greek</a:t>
+            </a:r>
+            <a:r>
+              <a:rPr lang="de-DE" dirty="0"/>
+              <a:t>) versus </a:t>
+            </a:r>
+            <a:r>
+              <a:rPr lang="de-DE" dirty="0" err="1"/>
+              <a:t>learning</a:t>
+            </a:r>
+            <a:r>
+              <a:rPr lang="de-DE" dirty="0"/>
+              <a:t> on </a:t>
+            </a:r>
+            <a:r>
+              <a:rPr lang="de-DE" dirty="0" err="1"/>
+              <a:t>demand</a:t>
+            </a:r>
+            <a:r>
+              <a:rPr lang="de-DE" dirty="0"/>
+              <a:t>, biologistischen Metaphysik</a:t>
             </a:r>
           </a:p>
         </p:txBody>
@@ -3897,7 +4132,511 @@
     </p:spTree>
     <p:extLst>
       <p:ext uri="{BB962C8B-B14F-4D97-AF65-F5344CB8AC3E}">
-        <p14:creationId xmlns:p14="http://schemas.microsoft.com/office/powerpoint/2010/main" val="2015919101"/>
+        <p14:creationId xmlns:p14="http://schemas.microsoft.com/office/powerpoint/2010/main" val="3874075206"/>
+      </p:ext>
+    </p:extLst>
+  </p:cSld>
+  <p:clrMapOvr>
+    <a:masterClrMapping/>
+  </p:clrMapOvr>
+</p:sld>
+</file>
+
+<file path=ppt/slides/slide6.xml><?xml version="1.0" encoding="utf-8"?>
+<p:sld xmlns:a="http://schemas.openxmlformats.org/drawingml/2006/main" xmlns:r="http://schemas.openxmlformats.org/officeDocument/2006/relationships" xmlns:p="http://schemas.openxmlformats.org/presentationml/2006/main">
+  <p:cSld>
+    <p:spTree>
+      <p:nvGrpSpPr>
+        <p:cNvPr id="1" name=""/>
+        <p:cNvGrpSpPr/>
+        <p:nvPr/>
+      </p:nvGrpSpPr>
+      <p:grpSpPr>
+        <a:xfrm>
+          <a:off x="0" y="0"/>
+          <a:ext cx="0" cy="0"/>
+          <a:chOff x="0" y="0"/>
+          <a:chExt cx="0" cy="0"/>
+        </a:xfrm>
+      </p:grpSpPr>
+      <p:sp>
+        <p:nvSpPr>
+          <p:cNvPr id="2" name="Title 1">
+            <a:extLst>
+              <a:ext uri="{FF2B5EF4-FFF2-40B4-BE49-F238E27FC236}">
+                <a16:creationId xmlns:a16="http://schemas.microsoft.com/office/drawing/2014/main" id="{726CFC8C-1318-4C6A-8121-B0E490967570}"/>
+              </a:ext>
+            </a:extLst>
+          </p:cNvPr>
+          <p:cNvSpPr>
+            <a:spLocks noGrp="1"/>
+          </p:cNvSpPr>
+          <p:nvPr>
+            <p:ph type="title"/>
+          </p:nvPr>
+        </p:nvSpPr>
+        <p:spPr/>
+        <p:txBody>
+          <a:bodyPr/>
+          <a:lstStyle/>
+          <a:p>
+            <a:r>
+              <a:rPr lang="de-DE" dirty="0"/>
+              <a:t>3 Erkenntnis</a:t>
+            </a:r>
+          </a:p>
+        </p:txBody>
+      </p:sp>
+      <p:sp>
+        <p:nvSpPr>
+          <p:cNvPr id="3" name="Text Placeholder 2">
+            <a:extLst>
+              <a:ext uri="{FF2B5EF4-FFF2-40B4-BE49-F238E27FC236}">
+                <a16:creationId xmlns:a16="http://schemas.microsoft.com/office/drawing/2014/main" id="{1D15CE9D-53EF-4ED0-817A-A92398460154}"/>
+              </a:ext>
+            </a:extLst>
+          </p:cNvPr>
+          <p:cNvSpPr>
+            <a:spLocks noGrp="1"/>
+          </p:cNvSpPr>
+          <p:nvPr>
+            <p:ph type="body" sz="quarter" idx="10"/>
+          </p:nvPr>
+        </p:nvSpPr>
+        <p:spPr/>
+        <p:txBody>
+          <a:bodyPr/>
+          <a:lstStyle/>
+          <a:p>
+            <a:r>
+              <a:rPr lang="de-DE" dirty="0"/>
+              <a:t>leidvoller Prozess versus Spaß, </a:t>
+            </a:r>
+            <a:r>
+              <a:rPr lang="de-DE" dirty="0" err="1"/>
+              <a:t>eros</a:t>
+            </a:r>
+            <a:r>
+              <a:rPr lang="de-DE" dirty="0"/>
+              <a:t>, Höhlengleichnis</a:t>
+            </a:r>
+          </a:p>
+          <a:p>
+            <a:r>
+              <a:rPr lang="de-DE" dirty="0"/>
+              <a:t>Umwendung des Blicks</a:t>
+            </a:r>
+          </a:p>
+          <a:p>
+            <a:r>
+              <a:rPr lang="de-DE" dirty="0"/>
+              <a:t>Antrieb, </a:t>
+            </a:r>
+            <a:r>
+              <a:rPr lang="de-DE" dirty="0" err="1"/>
+              <a:t>eros</a:t>
+            </a:r>
+            <a:endParaRPr lang="de-DE" dirty="0"/>
+          </a:p>
+          <a:p>
+            <a:r>
+              <a:rPr lang="de-DE" dirty="0"/>
+              <a:t>Lust auf Bildung, innerer Trieb versus </a:t>
+            </a:r>
+            <a:r>
+              <a:rPr lang="de-DE" dirty="0" err="1"/>
+              <a:t>entzündung</a:t>
+            </a:r>
+            <a:r>
+              <a:rPr lang="de-DE" dirty="0"/>
+              <a:t> an den </a:t>
+            </a:r>
+            <a:r>
+              <a:rPr lang="de-DE" i="1" dirty="0"/>
+              <a:t>Dingen / Welt (Schiller)</a:t>
+            </a:r>
+          </a:p>
+          <a:p>
+            <a:r>
+              <a:rPr lang="de-DE" dirty="0"/>
+              <a:t>Heisenberg, abwegiger Gedanke</a:t>
+            </a:r>
+          </a:p>
+        </p:txBody>
+      </p:sp>
+    </p:spTree>
+    <p:extLst>
+      <p:ext uri="{BB962C8B-B14F-4D97-AF65-F5344CB8AC3E}">
+        <p14:creationId xmlns:p14="http://schemas.microsoft.com/office/powerpoint/2010/main" val="3181984991"/>
+      </p:ext>
+    </p:extLst>
+  </p:cSld>
+  <p:clrMapOvr>
+    <a:masterClrMapping/>
+  </p:clrMapOvr>
+</p:sld>
+</file>
+
+<file path=ppt/slides/slide7.xml><?xml version="1.0" encoding="utf-8"?>
+<p:sld xmlns:a="http://schemas.openxmlformats.org/drawingml/2006/main" xmlns:r="http://schemas.openxmlformats.org/officeDocument/2006/relationships" xmlns:p="http://schemas.openxmlformats.org/presentationml/2006/main">
+  <p:cSld>
+    <p:spTree>
+      <p:nvGrpSpPr>
+        <p:cNvPr id="1" name=""/>
+        <p:cNvGrpSpPr/>
+        <p:nvPr/>
+      </p:nvGrpSpPr>
+      <p:grpSpPr>
+        <a:xfrm>
+          <a:off x="0" y="0"/>
+          <a:ext cx="0" cy="0"/>
+          <a:chOff x="0" y="0"/>
+          <a:chExt cx="0" cy="0"/>
+        </a:xfrm>
+      </p:grpSpPr>
+      <p:sp>
+        <p:nvSpPr>
+          <p:cNvPr id="8" name="Title 7">
+            <a:extLst>
+              <a:ext uri="{FF2B5EF4-FFF2-40B4-BE49-F238E27FC236}">
+                <a16:creationId xmlns:a16="http://schemas.microsoft.com/office/drawing/2014/main" id="{1F57BB12-1DBE-4364-924D-89160F14C244}"/>
+              </a:ext>
+            </a:extLst>
+          </p:cNvPr>
+          <p:cNvSpPr>
+            <a:spLocks noGrp="1"/>
+          </p:cNvSpPr>
+          <p:nvPr>
+            <p:ph type="title"/>
+          </p:nvPr>
+        </p:nvSpPr>
+        <p:spPr/>
+        <p:txBody>
+          <a:bodyPr/>
+          <a:lstStyle/>
+          <a:p>
+            <a:r>
+              <a:rPr lang="de-DE" dirty="0"/>
+              <a:t>Humboldt</a:t>
+            </a:r>
+          </a:p>
+        </p:txBody>
+      </p:sp>
+      <p:sp>
+        <p:nvSpPr>
+          <p:cNvPr id="9" name="Text Placeholder 8">
+            <a:extLst>
+              <a:ext uri="{FF2B5EF4-FFF2-40B4-BE49-F238E27FC236}">
+                <a16:creationId xmlns:a16="http://schemas.microsoft.com/office/drawing/2014/main" id="{933584EC-7EF4-4307-9129-4D63F6ED18ED}"/>
+              </a:ext>
+            </a:extLst>
+          </p:cNvPr>
+          <p:cNvSpPr>
+            <a:spLocks noGrp="1"/>
+          </p:cNvSpPr>
+          <p:nvPr>
+            <p:ph type="body" sz="quarter" idx="10"/>
+          </p:nvPr>
+        </p:nvSpPr>
+        <p:spPr/>
+        <p:txBody>
+          <a:bodyPr/>
+          <a:lstStyle/>
+          <a:p>
+            <a:r>
+              <a:rPr lang="de-DE" sz="1600" dirty="0"/>
+              <a:t>1618 bis 1648 Dreißigjährige Krieg </a:t>
+            </a:r>
+          </a:p>
+          <a:p>
+            <a:r>
+              <a:rPr lang="de-DE" sz="1600" dirty="0"/>
+              <a:t>1770 – 1860 Leben, </a:t>
+            </a:r>
+          </a:p>
+          <a:p>
+            <a:r>
+              <a:rPr lang="de-DE" sz="1600" dirty="0"/>
+              <a:t>1790er Berlin als Residenzstadt (weniger Habsburg)</a:t>
+            </a:r>
+          </a:p>
+          <a:p>
+            <a:r>
+              <a:rPr lang="de-DE" sz="1600" dirty="0"/>
+              <a:t>1791 Brandenburger Tor (klassizistisch)</a:t>
+            </a:r>
+          </a:p>
+          <a:p>
+            <a:r>
+              <a:rPr lang="de-DE" sz="1600" dirty="0"/>
+              <a:t>1792 und 1797 Verteidigung der Monarchie </a:t>
+            </a:r>
+          </a:p>
+          <a:p>
+            <a:r>
+              <a:rPr lang="de-DE" sz="1600" dirty="0"/>
+              <a:t>1789 bis 1799  Französische Revolution </a:t>
+            </a:r>
+          </a:p>
+          <a:p>
+            <a:r>
+              <a:rPr lang="de-DE" sz="1600" dirty="0"/>
+              <a:t>1806 Napoleon Richtung preußisch Berlin </a:t>
+            </a:r>
+          </a:p>
+        </p:txBody>
+      </p:sp>
+    </p:spTree>
+    <p:extLst>
+      <p:ext uri="{BB962C8B-B14F-4D97-AF65-F5344CB8AC3E}">
+        <p14:creationId xmlns:p14="http://schemas.microsoft.com/office/powerpoint/2010/main" val="2178906809"/>
+      </p:ext>
+    </p:extLst>
+  </p:cSld>
+  <p:clrMapOvr>
+    <a:masterClrMapping/>
+  </p:clrMapOvr>
+</p:sld>
+</file>
+
+<file path=ppt/slides/slide8.xml><?xml version="1.0" encoding="utf-8"?>
+<p:sld xmlns:a="http://schemas.openxmlformats.org/drawingml/2006/main" xmlns:r="http://schemas.openxmlformats.org/officeDocument/2006/relationships" xmlns:p="http://schemas.openxmlformats.org/presentationml/2006/main">
+  <p:cSld>
+    <p:spTree>
+      <p:nvGrpSpPr>
+        <p:cNvPr id="1" name=""/>
+        <p:cNvGrpSpPr/>
+        <p:nvPr/>
+      </p:nvGrpSpPr>
+      <p:grpSpPr>
+        <a:xfrm>
+          <a:off x="0" y="0"/>
+          <a:ext cx="0" cy="0"/>
+          <a:chOff x="0" y="0"/>
+          <a:chExt cx="0" cy="0"/>
+        </a:xfrm>
+      </p:grpSpPr>
+      <p:sp>
+        <p:nvSpPr>
+          <p:cNvPr id="2" name="Title 1">
+            <a:extLst>
+              <a:ext uri="{FF2B5EF4-FFF2-40B4-BE49-F238E27FC236}">
+                <a16:creationId xmlns:a16="http://schemas.microsoft.com/office/drawing/2014/main" id="{005133E7-9936-4B9C-A3B8-A6B676B5351F}"/>
+              </a:ext>
+            </a:extLst>
+          </p:cNvPr>
+          <p:cNvSpPr>
+            <a:spLocks noGrp="1"/>
+          </p:cNvSpPr>
+          <p:nvPr>
+            <p:ph type="title"/>
+          </p:nvPr>
+        </p:nvSpPr>
+        <p:spPr/>
+        <p:txBody>
+          <a:bodyPr/>
+          <a:lstStyle/>
+          <a:p>
+            <a:r>
+              <a:rPr lang="de-DE" dirty="0"/>
+              <a:t>Humboldt</a:t>
+            </a:r>
+          </a:p>
+        </p:txBody>
+      </p:sp>
+      <p:sp>
+        <p:nvSpPr>
+          <p:cNvPr id="3" name="Text Placeholder 2">
+            <a:extLst>
+              <a:ext uri="{FF2B5EF4-FFF2-40B4-BE49-F238E27FC236}">
+                <a16:creationId xmlns:a16="http://schemas.microsoft.com/office/drawing/2014/main" id="{D58361CD-9525-4FE7-8859-2D12281588EB}"/>
+              </a:ext>
+            </a:extLst>
+          </p:cNvPr>
+          <p:cNvSpPr>
+            <a:spLocks noGrp="1"/>
+          </p:cNvSpPr>
+          <p:nvPr>
+            <p:ph type="body" sz="quarter" idx="10"/>
+          </p:nvPr>
+        </p:nvSpPr>
+        <p:spPr/>
+        <p:txBody>
+          <a:bodyPr/>
+          <a:lstStyle/>
+          <a:p>
+            <a:r>
+              <a:rPr lang="de-DE" sz="1600" dirty="0"/>
+              <a:t>„rundum Ausbildung“</a:t>
+            </a:r>
+          </a:p>
+          <a:p>
+            <a:r>
+              <a:rPr lang="de-DE" sz="1600" dirty="0"/>
+              <a:t>Bildung gegen Verzweiflung, Passivität</a:t>
+            </a:r>
+          </a:p>
+          <a:p>
+            <a:r>
+              <a:rPr lang="de-DE" sz="1600" dirty="0"/>
+              <a:t>Neuanfang: Wiederaufblühen in Preußen</a:t>
+            </a:r>
+          </a:p>
+          <a:p>
+            <a:r>
+              <a:rPr lang="de-DE" sz="1600" dirty="0"/>
+              <a:t>uni nicht nur Fachhochschule: Frei und Vielfältig </a:t>
+            </a:r>
+          </a:p>
+          <a:p>
+            <a:r>
+              <a:rPr lang="de-DE" sz="1600" dirty="0"/>
+              <a:t>Forschung + lehre </a:t>
+            </a:r>
+          </a:p>
+          <a:p>
+            <a:r>
+              <a:rPr lang="de-DE" sz="1600" dirty="0"/>
+              <a:t>alt-Griechisch</a:t>
+            </a:r>
+          </a:p>
+        </p:txBody>
+      </p:sp>
+    </p:spTree>
+    <p:extLst>
+      <p:ext uri="{BB962C8B-B14F-4D97-AF65-F5344CB8AC3E}">
+        <p14:creationId xmlns:p14="http://schemas.microsoft.com/office/powerpoint/2010/main" val="1650022019"/>
+      </p:ext>
+    </p:extLst>
+  </p:cSld>
+  <p:clrMapOvr>
+    <a:masterClrMapping/>
+  </p:clrMapOvr>
+</p:sld>
+</file>
+
+<file path=ppt/slides/slide9.xml><?xml version="1.0" encoding="utf-8"?>
+<p:sld xmlns:a="http://schemas.openxmlformats.org/drawingml/2006/main" xmlns:r="http://schemas.openxmlformats.org/officeDocument/2006/relationships" xmlns:p="http://schemas.openxmlformats.org/presentationml/2006/main">
+  <p:cSld>
+    <p:spTree>
+      <p:nvGrpSpPr>
+        <p:cNvPr id="1" name=""/>
+        <p:cNvGrpSpPr/>
+        <p:nvPr/>
+      </p:nvGrpSpPr>
+      <p:grpSpPr>
+        <a:xfrm>
+          <a:off x="0" y="0"/>
+          <a:ext cx="0" cy="0"/>
+          <a:chOff x="0" y="0"/>
+          <a:chExt cx="0" cy="0"/>
+        </a:xfrm>
+      </p:grpSpPr>
+      <p:sp>
+        <p:nvSpPr>
+          <p:cNvPr id="2" name="Titel 1"/>
+          <p:cNvSpPr>
+            <a:spLocks noGrp="1"/>
+          </p:cNvSpPr>
+          <p:nvPr>
+            <p:ph type="title"/>
+          </p:nvPr>
+        </p:nvSpPr>
+        <p:spPr/>
+        <p:txBody>
+          <a:bodyPr/>
+          <a:lstStyle/>
+          <a:p>
+            <a:endParaRPr lang="en-US"/>
+          </a:p>
+        </p:txBody>
+      </p:sp>
+      <p:sp>
+        <p:nvSpPr>
+          <p:cNvPr id="3" name="Textplatzhalter 2"/>
+          <p:cNvSpPr>
+            <a:spLocks noGrp="1"/>
+          </p:cNvSpPr>
+          <p:nvPr>
+            <p:ph type="body" sz="quarter" idx="10"/>
+          </p:nvPr>
+        </p:nvSpPr>
+        <p:spPr/>
+        <p:txBody>
+          <a:bodyPr/>
+          <a:lstStyle/>
+          <a:p>
+            <a:endParaRPr lang="en-US" dirty="0"/>
+          </a:p>
+        </p:txBody>
+      </p:sp>
+      <p:grpSp>
+        <p:nvGrpSpPr>
+          <p:cNvPr id="6" name="Gruppieren 5"/>
+          <p:cNvGrpSpPr/>
+          <p:nvPr/>
+        </p:nvGrpSpPr>
+        <p:grpSpPr>
+          <a:xfrm>
+            <a:off x="2699792" y="410893"/>
+            <a:ext cx="4464496" cy="4825153"/>
+            <a:chOff x="2020070" y="571221"/>
+            <a:chExt cx="5144218" cy="5559786"/>
+          </a:xfrm>
+        </p:grpSpPr>
+        <p:pic>
+          <p:nvPicPr>
+            <p:cNvPr id="4" name="Grafik 3"/>
+            <p:cNvPicPr>
+              <a:picLocks noChangeAspect="1"/>
+            </p:cNvPicPr>
+            <p:nvPr/>
+          </p:nvPicPr>
+          <p:blipFill>
+            <a:blip r:embed="rId3"/>
+            <a:stretch>
+              <a:fillRect/>
+            </a:stretch>
+          </p:blipFill>
+          <p:spPr>
+            <a:xfrm>
+              <a:off x="2052286" y="571221"/>
+              <a:ext cx="5039428" cy="4001058"/>
+            </a:xfrm>
+            <a:prstGeom prst="rect">
+              <a:avLst/>
+            </a:prstGeom>
+          </p:spPr>
+        </p:pic>
+        <p:pic>
+          <p:nvPicPr>
+            <p:cNvPr id="5" name="Grafik 4"/>
+            <p:cNvPicPr>
+              <a:picLocks noChangeAspect="1"/>
+            </p:cNvPicPr>
+            <p:nvPr/>
+          </p:nvPicPr>
+          <p:blipFill>
+            <a:blip r:embed="rId4"/>
+            <a:stretch>
+              <a:fillRect/>
+            </a:stretch>
+          </p:blipFill>
+          <p:spPr>
+            <a:xfrm>
+              <a:off x="2020070" y="4397215"/>
+              <a:ext cx="5144218" cy="1733792"/>
+            </a:xfrm>
+            <a:prstGeom prst="rect">
+              <a:avLst/>
+            </a:prstGeom>
+          </p:spPr>
+        </p:pic>
+      </p:grpSp>
+    </p:spTree>
+    <p:extLst>
+      <p:ext uri="{BB962C8B-B14F-4D97-AF65-F5344CB8AC3E}">
+        <p14:creationId xmlns:p14="http://schemas.microsoft.com/office/powerpoint/2010/main" val="18663647"/>
       </p:ext>
     </p:extLst>
   </p:cSld>

--- a/folien/week3.pptx
+++ b/folien/week3.pptx
@@ -3339,12 +3339,16 @@
               <a:buNone/>
             </a:pPr>
             <a:r>
-              <a:rPr lang="de-DE" sz="2000" dirty="0">
+              <a:rPr lang="de-DE" sz="2000">
                 <a:latin typeface="Arial" panose="020B0604020202020204" pitchFamily="34" charset="0"/>
                 <a:cs typeface="Arial" panose="020B0604020202020204" pitchFamily="34" charset="0"/>
               </a:rPr>
-              <a:t>28.04.21</a:t>
-            </a:r>
+              <a:t>19.04.22</a:t>
+            </a:r>
+            <a:endParaRPr lang="de-DE" sz="2000" dirty="0">
+              <a:latin typeface="Arial" panose="020B0604020202020204" pitchFamily="34" charset="0"/>
+              <a:cs typeface="Arial" panose="020B0604020202020204" pitchFamily="34" charset="0"/>
+            </a:endParaRPr>
           </a:p>
         </p:txBody>
       </p:sp>
